--- a/Abschlusspräsentation/Abschlusspräsentation.pptx
+++ b/Abschlusspräsentation/Abschlusspräsentation.pptx
@@ -3619,7 +3619,7 @@
           <a:p>
             <a:r>
               <a:rPr lang="de-DE" dirty="0"/>
-              <a:t>Fazit</a:t>
+              <a:t>Endprodukt</a:t>
             </a:r>
           </a:p>
         </p:txBody>
@@ -3961,24 +3961,23 @@
                 <a:ea typeface="Roboto" charset="0"/>
                 <a:cs typeface="Roboto" charset="0"/>
               </a:rPr>
-              <a:t>1 | </a:t>
-            </a:r>
+              <a:t>1 | Ausgangssituation</a:t>
+            </a:r>
+          </a:p>
+          <a:p>
+            <a:pPr>
+              <a:lnSpc>
+                <a:spcPct val="130000"/>
+              </a:lnSpc>
+            </a:pPr>
             <a:r>
               <a:rPr lang="de-DE" sz="2400" dirty="0">
                 <a:latin typeface="Roboto Light" charset="0"/>
                 <a:ea typeface="Roboto Light" charset="0"/>
                 <a:cs typeface="Roboto Light" charset="0"/>
               </a:rPr>
-              <a:t> Projektvorgehen</a:t>
-            </a:r>
-            <a:endParaRPr lang="de-DE" sz="2400" dirty="0">
-              <a:solidFill>
-                <a:srgbClr val="0D2D81"/>
-              </a:solidFill>
-              <a:latin typeface="Roboto" charset="0"/>
-              <a:ea typeface="Roboto" charset="0"/>
-              <a:cs typeface="Roboto" charset="0"/>
-            </a:endParaRPr>
+              <a:t>2 |  Projektvorgehen </a:t>
+            </a:r>
           </a:p>
           <a:p>
             <a:pPr>
@@ -3992,7 +3991,7 @@
                 <a:ea typeface="Roboto Light" charset="0"/>
                 <a:cs typeface="Roboto Light" charset="0"/>
               </a:rPr>
-              <a:t>2 |  Konzept</a:t>
+              <a:t>3 | Ergebnisse der Usability Tests</a:t>
             </a:r>
           </a:p>
           <a:p>
@@ -4007,22 +4006,7 @@
                 <a:ea typeface="Roboto Light" charset="0"/>
                 <a:cs typeface="Roboto Light" charset="0"/>
               </a:rPr>
-              <a:t>3 | Ergebnisse des Usability-Tests</a:t>
-            </a:r>
-          </a:p>
-          <a:p>
-            <a:pPr>
-              <a:lnSpc>
-                <a:spcPct val="130000"/>
-              </a:lnSpc>
-            </a:pPr>
-            <a:r>
-              <a:rPr lang="de-DE" sz="2400" dirty="0">
-                <a:latin typeface="Roboto Light" charset="0"/>
-                <a:ea typeface="Roboto Light" charset="0"/>
-                <a:cs typeface="Roboto Light" charset="0"/>
-              </a:rPr>
-              <a:t>4 |  Fazit</a:t>
+              <a:t>4 |  Endprodukt</a:t>
             </a:r>
           </a:p>
         </p:txBody>
@@ -4512,7 +4496,13 @@
       </p:grpSp>
       <p:sp>
         <p:nvSpPr>
-          <p:cNvPr id="14" name="Textfeld 3"/>
+          <p:cNvPr id="15" name="Textfeld 3">
+            <a:extLst>
+              <a:ext uri="{FF2B5EF4-FFF2-40B4-BE49-F238E27FC236}">
+                <a16:creationId xmlns:a16="http://schemas.microsoft.com/office/drawing/2014/main" id="{DD929CDE-998F-4683-9FFB-F5CB92FB1C15}"/>
+              </a:ext>
+            </a:extLst>
+          </p:cNvPr>
           <p:cNvSpPr txBox="1"/>
           <p:nvPr/>
         </p:nvSpPr>
@@ -4543,35 +4533,8 @@
                 <a:ea typeface="Roboto Light" panose="02000000000000000000" pitchFamily="2" charset="0"/>
                 <a:cs typeface="Roboto Light" panose="02000000000000000000" pitchFamily="2" charset="0"/>
               </a:rPr>
-              <a:t>1 |</a:t>
-            </a:r>
-            <a:r>
-              <a:rPr lang="de-DE" sz="2400" dirty="0">
-                <a:solidFill>
-                  <a:srgbClr val="0D2D81"/>
-                </a:solidFill>
-                <a:latin typeface="Roboto" charset="0"/>
-                <a:ea typeface="Roboto" charset="0"/>
-                <a:cs typeface="Roboto" charset="0"/>
-              </a:rPr>
-              <a:t> </a:t>
-            </a:r>
-            <a:r>
-              <a:rPr lang="de-DE" sz="2400" dirty="0">
-                <a:latin typeface="Roboto Light" charset="0"/>
-                <a:ea typeface="Roboto Light" charset="0"/>
-                <a:cs typeface="Roboto Light" charset="0"/>
-              </a:rPr>
-              <a:t> Projektvorgehen</a:t>
-            </a:r>
-            <a:endParaRPr lang="de-DE" sz="2400" dirty="0">
-              <a:solidFill>
-                <a:srgbClr val="0D2D81"/>
-              </a:solidFill>
-              <a:latin typeface="Roboto" charset="0"/>
-              <a:ea typeface="Roboto" charset="0"/>
-              <a:cs typeface="Roboto" charset="0"/>
-            </a:endParaRPr>
+              <a:t>1 | Ausgangssituation</a:t>
+            </a:r>
           </a:p>
           <a:p>
             <a:pPr>
@@ -4588,15 +4551,33 @@
                 <a:ea typeface="Roboto" panose="02000000000000000000" pitchFamily="2" charset="0"/>
                 <a:cs typeface="Roboto" panose="02000000000000000000" pitchFamily="2" charset="0"/>
               </a:rPr>
-              <a:t>2 |</a:t>
-            </a:r>
+              <a:t>2 |  Projektvorgehen</a:t>
+            </a:r>
+            <a:r>
+              <a:rPr lang="de-DE" sz="2400" dirty="0">
+                <a:solidFill>
+                  <a:schemeClr val="tx2"/>
+                </a:solidFill>
+                <a:latin typeface="Roboto Light" charset="0"/>
+                <a:ea typeface="Roboto Light" charset="0"/>
+                <a:cs typeface="Roboto Light" charset="0"/>
+              </a:rPr>
+              <a:t> </a:t>
+            </a:r>
+          </a:p>
+          <a:p>
+            <a:pPr>
+              <a:lnSpc>
+                <a:spcPct val="130000"/>
+              </a:lnSpc>
+            </a:pPr>
             <a:r>
               <a:rPr lang="de-DE" sz="2400" dirty="0">
                 <a:latin typeface="Roboto Light" charset="0"/>
                 <a:ea typeface="Roboto Light" charset="0"/>
                 <a:cs typeface="Roboto Light" charset="0"/>
               </a:rPr>
-              <a:t>  Konzept</a:t>
+              <a:t>3 | Ergebnisse der Usability Tests</a:t>
             </a:r>
           </a:p>
           <a:p>
@@ -4611,22 +4592,7 @@
                 <a:ea typeface="Roboto Light" charset="0"/>
                 <a:cs typeface="Roboto Light" charset="0"/>
               </a:rPr>
-              <a:t>3 | Ergebnisse des Usability-Tests</a:t>
-            </a:r>
-          </a:p>
-          <a:p>
-            <a:pPr>
-              <a:lnSpc>
-                <a:spcPct val="130000"/>
-              </a:lnSpc>
-            </a:pPr>
-            <a:r>
-              <a:rPr lang="de-DE" sz="2400" dirty="0">
-                <a:latin typeface="Roboto Light" charset="0"/>
-                <a:ea typeface="Roboto Light" charset="0"/>
-                <a:cs typeface="Roboto Light" charset="0"/>
-              </a:rPr>
-              <a:t>4 |  Fazit</a:t>
+              <a:t>4 |  Endprodukt</a:t>
             </a:r>
           </a:p>
         </p:txBody>
@@ -4690,7 +4656,7 @@
           <a:p>
             <a:r>
               <a:rPr lang="de-DE" dirty="0"/>
-              <a:t>Konzept</a:t>
+              <a:t>Projektvorgehen</a:t>
             </a:r>
           </a:p>
         </p:txBody>
@@ -5005,7 +4971,13 @@
       </p:grpSp>
       <p:sp>
         <p:nvSpPr>
-          <p:cNvPr id="14" name="Textfeld 3"/>
+          <p:cNvPr id="9" name="Textfeld 3">
+            <a:extLst>
+              <a:ext uri="{FF2B5EF4-FFF2-40B4-BE49-F238E27FC236}">
+                <a16:creationId xmlns:a16="http://schemas.microsoft.com/office/drawing/2014/main" id="{4D58EA5F-FD16-4B3B-94CF-8E295FF91FF1}"/>
+              </a:ext>
+            </a:extLst>
+          </p:cNvPr>
           <p:cNvSpPr txBox="1"/>
           <p:nvPr/>
         </p:nvSpPr>
@@ -5036,57 +5008,22 @@
                 <a:ea typeface="Roboto Light" panose="02000000000000000000" pitchFamily="2" charset="0"/>
                 <a:cs typeface="Roboto Light" panose="02000000000000000000" pitchFamily="2" charset="0"/>
               </a:rPr>
-              <a:t>1 |</a:t>
-            </a:r>
-            <a:r>
-              <a:rPr lang="de-DE" sz="2400" dirty="0">
-                <a:solidFill>
-                  <a:srgbClr val="0D2D81"/>
-                </a:solidFill>
-                <a:latin typeface="Roboto" charset="0"/>
-                <a:ea typeface="Roboto" charset="0"/>
-                <a:cs typeface="Roboto" charset="0"/>
-              </a:rPr>
-              <a:t> </a:t>
-            </a:r>
+              <a:t>1 | Ausgangssituation</a:t>
+            </a:r>
+          </a:p>
+          <a:p>
+            <a:pPr>
+              <a:lnSpc>
+                <a:spcPct val="130000"/>
+              </a:lnSpc>
+            </a:pPr>
             <a:r>
               <a:rPr lang="de-DE" sz="2400" dirty="0">
                 <a:latin typeface="Roboto Light" charset="0"/>
                 <a:ea typeface="Roboto Light" charset="0"/>
                 <a:cs typeface="Roboto Light" charset="0"/>
               </a:rPr>
-              <a:t> Projektvorgehen</a:t>
-            </a:r>
-            <a:endParaRPr lang="de-DE" sz="2400" dirty="0">
-              <a:solidFill>
-                <a:srgbClr val="0D2D81"/>
-              </a:solidFill>
-              <a:latin typeface="Roboto" charset="0"/>
-              <a:ea typeface="Roboto" charset="0"/>
-              <a:cs typeface="Roboto" charset="0"/>
-            </a:endParaRPr>
-          </a:p>
-          <a:p>
-            <a:pPr>
-              <a:lnSpc>
-                <a:spcPct val="130000"/>
-              </a:lnSpc>
-            </a:pPr>
-            <a:r>
-              <a:rPr lang="de-DE" sz="2400" dirty="0">
-                <a:latin typeface="Roboto Light" panose="02000000000000000000" pitchFamily="2" charset="0"/>
-                <a:ea typeface="Roboto Light" panose="02000000000000000000" pitchFamily="2" charset="0"/>
-                <a:cs typeface="Roboto Light" panose="02000000000000000000" pitchFamily="2" charset="0"/>
-              </a:rPr>
-              <a:t>2 |</a:t>
-            </a:r>
-            <a:r>
-              <a:rPr lang="de-DE" sz="2400" dirty="0">
-                <a:latin typeface="Roboto Light" charset="0"/>
-                <a:ea typeface="Roboto Light" charset="0"/>
-                <a:cs typeface="Roboto Light" charset="0"/>
-              </a:rPr>
-              <a:t>  Konzept</a:t>
+              <a:t>2 |  Projektvorgehen </a:t>
             </a:r>
           </a:p>
           <a:p>
@@ -5104,30 +5041,22 @@
                 <a:ea typeface="Roboto" panose="02000000000000000000" pitchFamily="2" charset="0"/>
                 <a:cs typeface="Roboto" panose="02000000000000000000" pitchFamily="2" charset="0"/>
               </a:rPr>
-              <a:t>3 |</a:t>
-            </a:r>
+              <a:t>3 | Ergebnisse der Usability Tests</a:t>
+            </a:r>
+          </a:p>
+          <a:p>
+            <a:pPr>
+              <a:lnSpc>
+                <a:spcPct val="130000"/>
+              </a:lnSpc>
+            </a:pPr>
             <a:r>
               <a:rPr lang="de-DE" sz="2400" dirty="0">
                 <a:latin typeface="Roboto Light" charset="0"/>
                 <a:ea typeface="Roboto Light" charset="0"/>
                 <a:cs typeface="Roboto Light" charset="0"/>
               </a:rPr>
-              <a:t> Ergebnisse des Usability-Tests</a:t>
-            </a:r>
-          </a:p>
-          <a:p>
-            <a:pPr>
-              <a:lnSpc>
-                <a:spcPct val="130000"/>
-              </a:lnSpc>
-            </a:pPr>
-            <a:r>
-              <a:rPr lang="de-DE" sz="2400" dirty="0">
-                <a:latin typeface="Roboto Light" charset="0"/>
-                <a:ea typeface="Roboto Light" charset="0"/>
-                <a:cs typeface="Roboto Light" charset="0"/>
-              </a:rPr>
-              <a:t>4 |  Fazit</a:t>
+              <a:t>4 |  Endprodukt</a:t>
             </a:r>
           </a:p>
         </p:txBody>
@@ -5516,7 +5445,13 @@
       </p:grpSp>
       <p:sp>
         <p:nvSpPr>
-          <p:cNvPr id="14" name="Textfeld 3"/>
+          <p:cNvPr id="9" name="Textfeld 3">
+            <a:extLst>
+              <a:ext uri="{FF2B5EF4-FFF2-40B4-BE49-F238E27FC236}">
+                <a16:creationId xmlns:a16="http://schemas.microsoft.com/office/drawing/2014/main" id="{45ECF429-C0CF-44AF-A217-5999E723121F}"/>
+              </a:ext>
+            </a:extLst>
+          </p:cNvPr>
           <p:cNvSpPr txBox="1"/>
           <p:nvPr/>
         </p:nvSpPr>
@@ -5547,35 +5482,23 @@
                 <a:ea typeface="Roboto Light" panose="02000000000000000000" pitchFamily="2" charset="0"/>
                 <a:cs typeface="Roboto Light" panose="02000000000000000000" pitchFamily="2" charset="0"/>
               </a:rPr>
-              <a:t>1 |</a:t>
-            </a:r>
-            <a:r>
-              <a:rPr lang="de-DE" sz="2400" dirty="0">
-                <a:solidFill>
-                  <a:srgbClr val="0D2D81"/>
-                </a:solidFill>
-                <a:latin typeface="Roboto" charset="0"/>
-                <a:ea typeface="Roboto" charset="0"/>
-                <a:cs typeface="Roboto" charset="0"/>
-              </a:rPr>
-              <a:t> </a:t>
-            </a:r>
+              <a:t>1 | Ausgangssituation</a:t>
+            </a:r>
+          </a:p>
+          <a:p>
+            <a:pPr>
+              <a:lnSpc>
+                <a:spcPct val="130000"/>
+              </a:lnSpc>
+            </a:pPr>
             <a:r>
               <a:rPr lang="de-DE" sz="2400" dirty="0">
                 <a:latin typeface="Roboto Light" charset="0"/>
                 <a:ea typeface="Roboto Light" charset="0"/>
                 <a:cs typeface="Roboto Light" charset="0"/>
               </a:rPr>
-              <a:t> Projektvorgehen</a:t>
-            </a:r>
-            <a:endParaRPr lang="de-DE" sz="2400" dirty="0">
-              <a:solidFill>
-                <a:srgbClr val="0D2D81"/>
-              </a:solidFill>
-              <a:latin typeface="Roboto" charset="0"/>
-              <a:ea typeface="Roboto" charset="0"/>
-              <a:cs typeface="Roboto" charset="0"/>
-            </a:endParaRPr>
+              <a:t>2 |  Projektvorgehen </a:t>
+            </a:r>
           </a:p>
           <a:p>
             <a:pPr>
@@ -5585,34 +5508,11 @@
             </a:pPr>
             <a:r>
               <a:rPr lang="de-DE" sz="2400" dirty="0">
-                <a:latin typeface="Roboto Light" panose="02000000000000000000" pitchFamily="2" charset="0"/>
-                <a:ea typeface="Roboto Light" panose="02000000000000000000" pitchFamily="2" charset="0"/>
-                <a:cs typeface="Roboto Light" panose="02000000000000000000" pitchFamily="2" charset="0"/>
-              </a:rPr>
-              <a:t>2 |</a:t>
-            </a:r>
-            <a:r>
-              <a:rPr lang="de-DE" sz="2400" dirty="0">
                 <a:latin typeface="Roboto Light" charset="0"/>
                 <a:ea typeface="Roboto Light" charset="0"/>
                 <a:cs typeface="Roboto Light" charset="0"/>
               </a:rPr>
-              <a:t>  Konzept</a:t>
-            </a:r>
-          </a:p>
-          <a:p>
-            <a:pPr>
-              <a:lnSpc>
-                <a:spcPct val="130000"/>
-              </a:lnSpc>
-            </a:pPr>
-            <a:r>
-              <a:rPr lang="de-DE" sz="2400" dirty="0">
-                <a:latin typeface="Roboto Light" charset="0"/>
-                <a:ea typeface="Roboto Light" charset="0"/>
-                <a:cs typeface="Roboto Light" charset="0"/>
-              </a:rPr>
-              <a:t>3 | Ergebnisse des Usability-Tests</a:t>
+              <a:t>3 | Ergebnisse der Usability Tests</a:t>
             </a:r>
           </a:p>
           <a:p>
@@ -5630,15 +5530,7 @@
                 <a:ea typeface="Roboto" panose="02000000000000000000" pitchFamily="2" charset="0"/>
                 <a:cs typeface="Roboto" panose="02000000000000000000" pitchFamily="2" charset="0"/>
               </a:rPr>
-              <a:t>4 |</a:t>
-            </a:r>
-            <a:r>
-              <a:rPr lang="de-DE" sz="2400" dirty="0">
-                <a:latin typeface="Roboto Light" charset="0"/>
-                <a:ea typeface="Roboto Light" charset="0"/>
-                <a:cs typeface="Roboto Light" charset="0"/>
-              </a:rPr>
-              <a:t>  Fazit</a:t>
+              <a:t>4 |  Endprodukt</a:t>
             </a:r>
           </a:p>
         </p:txBody>

--- a/Abschlusspräsentation/Abschlusspräsentation.pptx
+++ b/Abschlusspräsentation/Abschlusspräsentation.pptx
@@ -220,7 +220,7 @@
           <a:p>
             <a:fld id="{9A5D17F6-5E44-B34B-9F31-3514A403A339}" type="datetimeFigureOut">
               <a:rPr lang="de-DE" smtClean="0"/>
-              <a:t>11.01.2019</a:t>
+              <a:t>13.01.2019</a:t>
             </a:fld>
             <a:endParaRPr lang="de-DE"/>
           </a:p>
@@ -286,7 +286,7 @@
           <a:p>
             <a:fld id="{227041D9-1AA4-C848-BE08-2678C69076F4}" type="slidenum">
               <a:rPr lang="de-DE" smtClean="0"/>
-              <a:t>‹Nr.›</a:t>
+              <a:t>‹#›</a:t>
             </a:fld>
             <a:endParaRPr lang="de-DE"/>
           </a:p>
@@ -386,7 +386,7 @@
           <a:p>
             <a:fld id="{1ED1A8AF-AB40-054D-B39D-3F00D3A9393B}" type="datetimeFigureOut">
               <a:rPr lang="de-DE" smtClean="0"/>
-              <a:t>11.01.2019</a:t>
+              <a:t>13.01.2019</a:t>
             </a:fld>
             <a:endParaRPr lang="de-DE"/>
           </a:p>
@@ -544,7 +544,7 @@
           <a:p>
             <a:fld id="{E3A48AE5-40CD-D246-B914-1E51F93A2EAE}" type="slidenum">
               <a:rPr lang="de-DE" smtClean="0"/>
-              <a:t>‹Nr.›</a:t>
+              <a:t>‹#›</a:t>
             </a:fld>
             <a:endParaRPr lang="de-DE"/>
           </a:p>
@@ -1696,7 +1696,7 @@
           <a:p>
             <a:fld id="{079EE833-EE82-D544-BB9C-EFA558539038}" type="datetime1">
               <a:rPr lang="de-DE" smtClean="0"/>
-              <a:t>11.01.2019</a:t>
+              <a:t>13.01.2019</a:t>
             </a:fld>
             <a:endParaRPr lang="de-DE" dirty="0"/>
           </a:p>
@@ -1762,7 +1762,7 @@
             <a:fld id="{36EA1323-965C-0742-806D-06C14CDC1E0E}" type="slidenum">
               <a:rPr lang="de-DE" smtClean="0"/>
               <a:pPr/>
-              <a:t>‹Nr.›</a:t>
+              <a:t>‹#›</a:t>
             </a:fld>
             <a:endParaRPr lang="de-DE"/>
           </a:p>
@@ -2174,7 +2174,7 @@
           <a:p>
             <a:fld id="{DB27A0CA-6CBF-7546-A7B2-E422C938A4CA}" type="datetime1">
               <a:rPr lang="de-DE" smtClean="0"/>
-              <a:t>11.01.2019</a:t>
+              <a:t>13.01.2019</a:t>
             </a:fld>
             <a:endParaRPr lang="de-DE"/>
           </a:p>
@@ -2229,7 +2229,7 @@
           <a:p>
             <a:fld id="{36EA1323-965C-0742-806D-06C14CDC1E0E}" type="slidenum">
               <a:rPr lang="de-DE" smtClean="0"/>
-              <a:t>‹Nr.›</a:t>
+              <a:t>‹#›</a:t>
             </a:fld>
             <a:endParaRPr lang="de-DE"/>
           </a:p>
@@ -2501,7 +2501,7 @@
           <a:p>
             <a:fld id="{07F26036-E294-B948-8FD3-02781514CF4A}" type="datetime1">
               <a:rPr lang="de-DE" smtClean="0"/>
-              <a:t>11.01.2019</a:t>
+              <a:t>13.01.2019</a:t>
             </a:fld>
             <a:endParaRPr lang="de-DE"/>
           </a:p>
@@ -2546,7 +2546,7 @@
           <a:p>
             <a:fld id="{36EA1323-965C-0742-806D-06C14CDC1E0E}" type="slidenum">
               <a:rPr lang="de-DE" smtClean="0"/>
-              <a:t>‹Nr.›</a:t>
+              <a:t>‹#›</a:t>
             </a:fld>
             <a:endParaRPr lang="de-DE"/>
           </a:p>
@@ -2651,7 +2651,7 @@
           <a:p>
             <a:fld id="{FF97023B-B7D1-1A45-AADC-58F6C8389F84}" type="datetime1">
               <a:rPr lang="de-DE" smtClean="0"/>
-              <a:t>11.01.2019</a:t>
+              <a:t>13.01.2019</a:t>
             </a:fld>
             <a:endParaRPr lang="de-DE"/>
           </a:p>
@@ -2696,7 +2696,7 @@
           <a:p>
             <a:fld id="{36EA1323-965C-0742-806D-06C14CDC1E0E}" type="slidenum">
               <a:rPr lang="de-DE" smtClean="0"/>
-              <a:t>‹Nr.›</a:t>
+              <a:t>‹#›</a:t>
             </a:fld>
             <a:endParaRPr lang="de-DE"/>
           </a:p>
@@ -2778,7 +2778,7 @@
           <a:p>
             <a:fld id="{37D21F54-95EB-0740-B47C-B50C4EF64026}" type="datetime1">
               <a:rPr lang="de-DE" smtClean="0"/>
-              <a:t>11.01.2019</a:t>
+              <a:t>13.01.2019</a:t>
             </a:fld>
             <a:endParaRPr lang="de-DE"/>
           </a:p>
@@ -2823,7 +2823,7 @@
           <a:p>
             <a:fld id="{36EA1323-965C-0742-806D-06C14CDC1E0E}" type="slidenum">
               <a:rPr lang="de-DE" smtClean="0"/>
-              <a:t>‹Nr.›</a:t>
+              <a:t>‹#›</a:t>
             </a:fld>
             <a:endParaRPr lang="de-DE"/>
           </a:p>
@@ -3023,7 +3023,7 @@
           <a:p>
             <a:fld id="{C8C1DAB3-C946-9A43-B18E-2D640705B548}" type="datetime1">
               <a:rPr lang="de-DE" smtClean="0"/>
-              <a:t>11.01.2019</a:t>
+              <a:t>13.01.2019</a:t>
             </a:fld>
             <a:endParaRPr lang="de-DE"/>
           </a:p>
@@ -3110,7 +3110,7 @@
             <a:fld id="{36EA1323-965C-0742-806D-06C14CDC1E0E}" type="slidenum">
               <a:rPr lang="de-DE" smtClean="0"/>
               <a:pPr/>
-              <a:t>‹Nr.›</a:t>
+              <a:t>‹#›</a:t>
             </a:fld>
             <a:endParaRPr lang="de-DE"/>
           </a:p>
@@ -3493,6 +3493,10 @@
               <a:rPr lang="de-DE" sz="2000" dirty="0"/>
               <a:t>, Carola Vaitl, Simon Hofmeister, Tuan Do, Konstantin </a:t>
             </a:r>
+            <a:r>
+              <a:rPr lang="de-DE" sz="2000" dirty="0" smtClean="0"/>
+              <a:t>Kondrashov</a:t>
+            </a:r>
             <a:endParaRPr lang="de-DE" sz="2000" dirty="0">
               <a:latin typeface="Roboto Light"/>
               <a:cs typeface="Roboto Light"/>
@@ -4499,7 +4503,7 @@
           <p:cNvPr id="15" name="Textfeld 3">
             <a:extLst>
               <a:ext uri="{FF2B5EF4-FFF2-40B4-BE49-F238E27FC236}">
-                <a16:creationId xmlns:a16="http://schemas.microsoft.com/office/drawing/2014/main" id="{DD929CDE-998F-4683-9FFB-F5CB92FB1C15}"/>
+                <a16:creationId xmlns:a16="http://schemas.microsoft.com/office/drawing/2014/main" xmlns="" id="{DD929CDE-998F-4683-9FFB-F5CB92FB1C15}"/>
               </a:ext>
             </a:extLst>
           </p:cNvPr>
@@ -4974,7 +4978,7 @@
           <p:cNvPr id="9" name="Textfeld 3">
             <a:extLst>
               <a:ext uri="{FF2B5EF4-FFF2-40B4-BE49-F238E27FC236}">
-                <a16:creationId xmlns:a16="http://schemas.microsoft.com/office/drawing/2014/main" id="{4D58EA5F-FD16-4B3B-94CF-8E295FF91FF1}"/>
+                <a16:creationId xmlns:a16="http://schemas.microsoft.com/office/drawing/2014/main" xmlns="" id="{4D58EA5F-FD16-4B3B-94CF-8E295FF91FF1}"/>
               </a:ext>
             </a:extLst>
           </p:cNvPr>
@@ -5448,7 +5452,7 @@
           <p:cNvPr id="9" name="Textfeld 3">
             <a:extLst>
               <a:ext uri="{FF2B5EF4-FFF2-40B4-BE49-F238E27FC236}">
-                <a16:creationId xmlns:a16="http://schemas.microsoft.com/office/drawing/2014/main" id="{45ECF429-C0CF-44AF-A217-5999E723121F}"/>
+                <a16:creationId xmlns:a16="http://schemas.microsoft.com/office/drawing/2014/main" xmlns="" id="{45ECF429-C0CF-44AF-A217-5999E723121F}"/>
               </a:ext>
             </a:extLst>
           </p:cNvPr>
